--- a/Project_Space_Debris/Ordner_Yu/Folien/20230123.pptx
+++ b/Project_Space_Debris/Ordner_Yu/Folien/20230123.pptx
@@ -5,11 +5,12 @@
     <p:sldMasterId id="2147483648" r:id="rId1"/>
   </p:sldMasterIdLst>
   <p:notesMasterIdLst>
-    <p:notesMasterId r:id="rId4"/>
+    <p:notesMasterId r:id="rId5"/>
   </p:notesMasterIdLst>
   <p:sldIdLst>
-    <p:sldId id="281" r:id="rId2"/>
-    <p:sldId id="282" r:id="rId3"/>
+    <p:sldId id="283" r:id="rId2"/>
+    <p:sldId id="281" r:id="rId3"/>
+    <p:sldId id="282" r:id="rId4"/>
   </p:sldIdLst>
   <p:sldSz cx="9144000" cy="6858000" type="screen4x3"/>
   <p:notesSz cx="6858000" cy="9144000"/>
@@ -160,7 +161,7 @@
 <file path=ppt/revisionInfo.xml><?xml version="1.0" encoding="utf-8"?>
 <p1510:revInfo xmlns:a="http://schemas.openxmlformats.org/drawingml/2006/main" xmlns:r="http://schemas.openxmlformats.org/officeDocument/2006/relationships" xmlns:p1510="http://schemas.microsoft.com/office/powerpoint/2015/10/main">
   <p1510:revLst>
-    <p1510:client id="{C00F1E2B-988F-495B-864B-01751A304B2E}" v="59" dt="2023-01-23T20:47:11.910"/>
+    <p1510:client id="{C00F1E2B-988F-495B-864B-01751A304B2E}" v="83" dt="2023-01-24T07:49:49.138"/>
   </p1510:revLst>
 </p1510:revInfo>
 </file>
@@ -169,8 +170,8 @@
 <pc:chgInfo xmlns:a="http://schemas.openxmlformats.org/drawingml/2006/main" xmlns:r="http://schemas.openxmlformats.org/officeDocument/2006/relationships" xmlns:ac="http://schemas.microsoft.com/office/drawing/2013/main/command" xmlns:pc="http://schemas.microsoft.com/office/powerpoint/2013/main/command">
   <pc:docChgLst>
     <pc:chgData name="Ziqing Yu" userId="76dbd0bb75f3aa62" providerId="LiveId" clId="{C00F1E2B-988F-495B-864B-01751A304B2E}"/>
-    <pc:docChg chg="undo custSel delSld modSld">
-      <pc:chgData name="Ziqing Yu" userId="76dbd0bb75f3aa62" providerId="LiveId" clId="{C00F1E2B-988F-495B-864B-01751A304B2E}" dt="2023-01-23T20:47:15.913" v="315" actId="20577"/>
+    <pc:docChg chg="undo custSel addSld delSld modSld sldOrd">
+      <pc:chgData name="Ziqing Yu" userId="76dbd0bb75f3aa62" providerId="LiveId" clId="{C00F1E2B-988F-495B-864B-01751A304B2E}" dt="2023-01-24T07:49:49.138" v="362" actId="962"/>
       <pc:docMkLst>
         <pc:docMk/>
       </pc:docMkLst>
@@ -206,7 +207,7 @@
         </pc:spChg>
       </pc:sldChg>
       <pc:sldChg chg="addSp delSp modSp mod">
-        <pc:chgData name="Ziqing Yu" userId="76dbd0bb75f3aa62" providerId="LiveId" clId="{C00F1E2B-988F-495B-864B-01751A304B2E}" dt="2023-01-23T20:47:15.913" v="315" actId="20577"/>
+        <pc:chgData name="Ziqing Yu" userId="76dbd0bb75f3aa62" providerId="LiveId" clId="{C00F1E2B-988F-495B-864B-01751A304B2E}" dt="2023-01-24T07:40:34.085" v="349" actId="962"/>
         <pc:sldMkLst>
           <pc:docMk/>
           <pc:sldMk cId="1938784375" sldId="281"/>
@@ -227,6 +228,14 @@
             <ac:spMk id="3" creationId="{167D8DD9-F05C-D945-C360-068B13A96B76}"/>
           </ac:spMkLst>
         </pc:spChg>
+        <pc:spChg chg="add del mod">
+          <ac:chgData name="Ziqing Yu" userId="76dbd0bb75f3aa62" providerId="LiveId" clId="{C00F1E2B-988F-495B-864B-01751A304B2E}" dt="2023-01-24T07:40:31.789" v="346"/>
+          <ac:spMkLst>
+            <pc:docMk/>
+            <pc:sldMk cId="1938784375" sldId="281"/>
+            <ac:spMk id="3" creationId="{76CC8692-0616-9F6E-EC9F-A4A7368C648B}"/>
+          </ac:spMkLst>
+        </pc:spChg>
         <pc:spChg chg="add mod">
           <ac:chgData name="Ziqing Yu" userId="76dbd0bb75f3aa62" providerId="LiveId" clId="{C00F1E2B-988F-495B-864B-01751A304B2E}" dt="2023-01-23T20:44:47.978" v="242" actId="1076"/>
           <ac:spMkLst>
@@ -235,6 +244,14 @@
             <ac:spMk id="8" creationId="{8FE952FB-D007-EACB-9B7E-9F86E08453E7}"/>
           </ac:spMkLst>
         </pc:spChg>
+        <pc:picChg chg="add mod">
+          <ac:chgData name="Ziqing Yu" userId="76dbd0bb75f3aa62" providerId="LiveId" clId="{C00F1E2B-988F-495B-864B-01751A304B2E}" dt="2023-01-24T07:40:34.085" v="349" actId="962"/>
+          <ac:picMkLst>
+            <pc:docMk/>
+            <pc:sldMk cId="1938784375" sldId="281"/>
+            <ac:picMk id="6" creationId="{879E8FBF-DCC3-EEF5-8D76-156D6A6E519E}"/>
+          </ac:picMkLst>
+        </pc:picChg>
         <pc:picChg chg="del">
           <ac:chgData name="Ziqing Yu" userId="76dbd0bb75f3aa62" providerId="LiveId" clId="{C00F1E2B-988F-495B-864B-01751A304B2E}" dt="2023-01-23T20:40:16.285" v="17" actId="478"/>
           <ac:picMkLst>
@@ -243,8 +260,8 @@
             <ac:picMk id="6" creationId="{C8F06D6A-C526-A1B7-AF4C-319A106E10EC}"/>
           </ac:picMkLst>
         </pc:picChg>
-        <pc:picChg chg="add mod">
-          <ac:chgData name="Ziqing Yu" userId="76dbd0bb75f3aa62" providerId="LiveId" clId="{C00F1E2B-988F-495B-864B-01751A304B2E}" dt="2023-01-23T20:40:31.445" v="22" actId="1076"/>
+        <pc:picChg chg="add del mod">
+          <ac:chgData name="Ziqing Yu" userId="76dbd0bb75f3aa62" providerId="LiveId" clId="{C00F1E2B-988F-495B-864B-01751A304B2E}" dt="2023-01-24T07:40:26.848" v="345" actId="478"/>
           <ac:picMkLst>
             <pc:docMk/>
             <pc:sldMk cId="1938784375" sldId="281"/>
@@ -252,26 +269,113 @@
           </ac:picMkLst>
         </pc:picChg>
       </pc:sldChg>
-      <pc:sldChg chg="addSp delSp modSp">
-        <pc:chgData name="Ziqing Yu" userId="76dbd0bb75f3aa62" providerId="LiveId" clId="{C00F1E2B-988F-495B-864B-01751A304B2E}" dt="2023-01-23T20:40:17.476" v="18" actId="478"/>
+      <pc:sldChg chg="addSp delSp modSp mod">
+        <pc:chgData name="Ziqing Yu" userId="76dbd0bb75f3aa62" providerId="LiveId" clId="{C00F1E2B-988F-495B-864B-01751A304B2E}" dt="2023-01-24T07:40:41.838" v="353" actId="962"/>
         <pc:sldMkLst>
           <pc:docMk/>
           <pc:sldMk cId="831859171" sldId="282"/>
         </pc:sldMkLst>
-        <pc:spChg chg="add mod">
-          <ac:chgData name="Ziqing Yu" userId="76dbd0bb75f3aa62" providerId="LiveId" clId="{C00F1E2B-988F-495B-864B-01751A304B2E}" dt="2023-01-23T20:40:17.476" v="18" actId="478"/>
+        <pc:spChg chg="mod">
+          <ac:chgData name="Ziqing Yu" userId="76dbd0bb75f3aa62" providerId="LiveId" clId="{C00F1E2B-988F-495B-864B-01751A304B2E}" dt="2023-01-24T07:29:09.008" v="339" actId="20577"/>
+          <ac:spMkLst>
+            <pc:docMk/>
+            <pc:sldMk cId="831859171" sldId="282"/>
+            <ac:spMk id="2" creationId="{BEFA3EE9-727C-8314-2B93-54796962C99C}"/>
+          </ac:spMkLst>
+        </pc:spChg>
+        <pc:spChg chg="add del mod">
+          <ac:chgData name="Ziqing Yu" userId="76dbd0bb75f3aa62" providerId="LiveId" clId="{C00F1E2B-988F-495B-864B-01751A304B2E}" dt="2023-01-24T07:28:54.343" v="316"/>
           <ac:spMkLst>
             <pc:docMk/>
             <pc:sldMk cId="831859171" sldId="282"/>
             <ac:spMk id="3" creationId="{71320EA0-5DCE-7322-D0FE-B810A0EC4269}"/>
           </ac:spMkLst>
         </pc:spChg>
+        <pc:spChg chg="add del mod">
+          <ac:chgData name="Ziqing Yu" userId="76dbd0bb75f3aa62" providerId="LiveId" clId="{C00F1E2B-988F-495B-864B-01751A304B2E}" dt="2023-01-24T07:40:40.644" v="351"/>
+          <ac:spMkLst>
+            <pc:docMk/>
+            <pc:sldMk cId="831859171" sldId="282"/>
+            <ac:spMk id="7" creationId="{37F3A353-5921-206C-9CA8-BDAEA727C9BD}"/>
+          </ac:spMkLst>
+        </pc:spChg>
+        <pc:picChg chg="add del mod">
+          <ac:chgData name="Ziqing Yu" userId="76dbd0bb75f3aa62" providerId="LiveId" clId="{C00F1E2B-988F-495B-864B-01751A304B2E}" dt="2023-01-24T07:40:36.609" v="350" actId="478"/>
+          <ac:picMkLst>
+            <pc:docMk/>
+            <pc:sldMk cId="831859171" sldId="282"/>
+            <ac:picMk id="6" creationId="{C541B1E0-938E-9918-8405-0B15BA1FFEBF}"/>
+          </ac:picMkLst>
+        </pc:picChg>
         <pc:picChg chg="del">
           <ac:chgData name="Ziqing Yu" userId="76dbd0bb75f3aa62" providerId="LiveId" clId="{C00F1E2B-988F-495B-864B-01751A304B2E}" dt="2023-01-23T20:40:17.476" v="18" actId="478"/>
           <ac:picMkLst>
             <pc:docMk/>
             <pc:sldMk cId="831859171" sldId="282"/>
             <ac:picMk id="6" creationId="{CA6B0118-9595-73C8-40F8-0FA43CA74BE0}"/>
+          </ac:picMkLst>
+        </pc:picChg>
+        <pc:picChg chg="add mod">
+          <ac:chgData name="Ziqing Yu" userId="76dbd0bb75f3aa62" providerId="LiveId" clId="{C00F1E2B-988F-495B-864B-01751A304B2E}" dt="2023-01-24T07:40:41.838" v="353" actId="962"/>
+          <ac:picMkLst>
+            <pc:docMk/>
+            <pc:sldMk cId="831859171" sldId="282"/>
+            <ac:picMk id="9" creationId="{2129D0BC-8C85-56B8-A8FF-6D55C6007C71}"/>
+          </ac:picMkLst>
+        </pc:picChg>
+      </pc:sldChg>
+      <pc:sldChg chg="addSp delSp modSp new ord">
+        <pc:chgData name="Ziqing Yu" userId="76dbd0bb75f3aa62" providerId="LiveId" clId="{C00F1E2B-988F-495B-864B-01751A304B2E}" dt="2023-01-24T07:49:49.138" v="362" actId="962"/>
+        <pc:sldMkLst>
+          <pc:docMk/>
+          <pc:sldMk cId="1369771716" sldId="283"/>
+        </pc:sldMkLst>
+        <pc:spChg chg="add del mod">
+          <ac:chgData name="Ziqing Yu" userId="76dbd0bb75f3aa62" providerId="LiveId" clId="{C00F1E2B-988F-495B-864B-01751A304B2E}" dt="2023-01-24T07:49:48.050" v="360"/>
+          <ac:spMkLst>
+            <pc:docMk/>
+            <pc:sldMk cId="1369771716" sldId="283"/>
+            <ac:spMk id="3" creationId="{1B7A37BB-FEA0-3487-823C-9E3523EA74DB}"/>
+          </ac:spMkLst>
+        </pc:spChg>
+        <pc:spChg chg="del">
+          <ac:chgData name="Ziqing Yu" userId="76dbd0bb75f3aa62" providerId="LiveId" clId="{C00F1E2B-988F-495B-864B-01751A304B2E}" dt="2023-01-24T07:37:32.804" v="340"/>
+          <ac:spMkLst>
+            <pc:docMk/>
+            <pc:sldMk cId="1369771716" sldId="283"/>
+            <ac:spMk id="3" creationId="{6212CEAB-E925-A5CA-9EC9-67C73DA90C8F}"/>
+          </ac:spMkLst>
+        </pc:spChg>
+        <pc:spChg chg="add del mod">
+          <ac:chgData name="Ziqing Yu" userId="76dbd0bb75f3aa62" providerId="LiveId" clId="{C00F1E2B-988F-495B-864B-01751A304B2E}" dt="2023-01-24T07:40:45.279" v="355"/>
+          <ac:spMkLst>
+            <pc:docMk/>
+            <pc:sldMk cId="1369771716" sldId="283"/>
+            <ac:spMk id="7" creationId="{E226F9E3-2B9E-1C01-832A-0E772A5712B9}"/>
+          </ac:spMkLst>
+        </pc:spChg>
+        <pc:picChg chg="add del mod">
+          <ac:chgData name="Ziqing Yu" userId="76dbd0bb75f3aa62" providerId="LiveId" clId="{C00F1E2B-988F-495B-864B-01751A304B2E}" dt="2023-01-24T07:40:43.754" v="354" actId="478"/>
+          <ac:picMkLst>
+            <pc:docMk/>
+            <pc:sldMk cId="1369771716" sldId="283"/>
+            <ac:picMk id="6" creationId="{83800EAF-2EBA-2EE3-4799-0BCC42D90ABE}"/>
+          </ac:picMkLst>
+        </pc:picChg>
+        <pc:picChg chg="add mod">
+          <ac:chgData name="Ziqing Yu" userId="76dbd0bb75f3aa62" providerId="LiveId" clId="{C00F1E2B-988F-495B-864B-01751A304B2E}" dt="2023-01-24T07:49:49.138" v="362" actId="962"/>
+          <ac:picMkLst>
+            <pc:docMk/>
+            <pc:sldMk cId="1369771716" sldId="283"/>
+            <ac:picMk id="6" creationId="{E412BA59-3B60-0DA8-9BE1-6A61F7EEF660}"/>
+          </ac:picMkLst>
+        </pc:picChg>
+        <pc:picChg chg="add del mod">
+          <ac:chgData name="Ziqing Yu" userId="76dbd0bb75f3aa62" providerId="LiveId" clId="{C00F1E2B-988F-495B-864B-01751A304B2E}" dt="2023-01-24T07:49:46.403" v="359" actId="478"/>
+          <ac:picMkLst>
+            <pc:docMk/>
+            <pc:sldMk cId="1369771716" sldId="283"/>
+            <ac:picMk id="9" creationId="{0B871FA5-FA67-7680-4E89-5644F3DCADB5}"/>
           </ac:picMkLst>
         </pc:picChg>
       </pc:sldChg>
@@ -6201,7 +6305,7 @@
           <p:cNvPr id="2" name="Title 1">
             <a:extLst>
               <a:ext uri="{FF2B5EF4-FFF2-40B4-BE49-F238E27FC236}">
-                <a16:creationId xmlns:a16="http://schemas.microsoft.com/office/drawing/2014/main" id="{3D546D05-5947-1209-D580-59C6CE84F71C}"/>
+                <a16:creationId xmlns:a16="http://schemas.microsoft.com/office/drawing/2014/main" id="{7B7C366A-0442-3111-F411-01E87676D5FC}"/>
               </a:ext>
             </a:extLst>
           </p:cNvPr>
@@ -6212,24 +6316,11 @@
             <p:ph type="title"/>
           </p:nvPr>
         </p:nvSpPr>
-        <p:spPr>
-          <a:xfrm>
-            <a:off x="685800" y="186545"/>
-            <a:ext cx="7772400" cy="457200"/>
-          </a:xfrm>
-        </p:spPr>
+        <p:spPr/>
         <p:txBody>
           <a:bodyPr/>
           <a:lstStyle/>
           <a:p>
-            <a:r>
-              <a:rPr lang="en-US" altLang="zh-CN" dirty="0"/>
-              <a:t>Compare 2 </a:t>
-            </a:r>
-            <a:r>
-              <a:rPr lang="en-US" altLang="zh-CN"/>
-              <a:t>atmosphere model</a:t>
-            </a:r>
             <a:endParaRPr lang="zh-CN" altLang="en-US" dirty="0"/>
           </a:p>
         </p:txBody>
@@ -6239,7 +6330,7 @@
           <p:cNvPr id="4" name="Slide Number Placeholder 3">
             <a:extLst>
               <a:ext uri="{FF2B5EF4-FFF2-40B4-BE49-F238E27FC236}">
-                <a16:creationId xmlns:a16="http://schemas.microsoft.com/office/drawing/2014/main" id="{4C6755C1-51D8-4185-81C2-D212014912EF}"/>
+                <a16:creationId xmlns:a16="http://schemas.microsoft.com/office/drawing/2014/main" id="{DA1A0D60-96BB-6B7F-6D70-A42535C43E28}"/>
               </a:ext>
             </a:extLst>
           </p:cNvPr>
@@ -6271,10 +6362,10 @@
       </p:sp>
       <p:pic>
         <p:nvPicPr>
-          <p:cNvPr id="7" name="Content Placeholder 6" descr="Chart&#10;&#10;Description automatically generated">
+          <p:cNvPr id="6" name="Content Placeholder 5" descr="A picture containing scatter chart&#10;&#10;Description automatically generated">
             <a:extLst>
               <a:ext uri="{FF2B5EF4-FFF2-40B4-BE49-F238E27FC236}">
-                <a16:creationId xmlns:a16="http://schemas.microsoft.com/office/drawing/2014/main" id="{6939E842-0A8F-C064-ED71-AF150AF7EC5E}"/>
+                <a16:creationId xmlns:a16="http://schemas.microsoft.com/office/drawing/2014/main" id="{E412BA59-3B60-0DA8-9BE1-6A61F7EEF660}"/>
               </a:ext>
             </a:extLst>
           </p:cNvPr>
@@ -6299,13 +6390,116 @@
         </p:blipFill>
         <p:spPr>
           <a:xfrm>
-            <a:off x="755576" y="1052736"/>
+            <a:off x="685800" y="1596152"/>
             <a:ext cx="7772400" cy="3894296"/>
           </a:xfrm>
         </p:spPr>
       </p:pic>
-      <mc:AlternateContent xmlns:mc="http://schemas.openxmlformats.org/markup-compatibility/2006">
-        <mc:Choice xmlns:a14="http://schemas.microsoft.com/office/drawing/2010/main" Requires="a14">
+    </p:spTree>
+    <p:extLst>
+      <p:ext uri="{BB962C8B-B14F-4D97-AF65-F5344CB8AC3E}">
+        <p14:creationId xmlns:p14="http://schemas.microsoft.com/office/powerpoint/2010/main" val="1369771716"/>
+      </p:ext>
+    </p:extLst>
+  </p:cSld>
+  <p:clrMapOvr>
+    <a:masterClrMapping/>
+  </p:clrMapOvr>
+</p:sld>
+</file>
+
+<file path=ppt/slides/slide2.xml><?xml version="1.0" encoding="utf-8"?>
+<p:sld xmlns:a="http://schemas.openxmlformats.org/drawingml/2006/main" xmlns:r="http://schemas.openxmlformats.org/officeDocument/2006/relationships" xmlns:p="http://schemas.openxmlformats.org/presentationml/2006/main">
+  <p:cSld>
+    <p:spTree>
+      <p:nvGrpSpPr>
+        <p:cNvPr id="1" name=""/>
+        <p:cNvGrpSpPr/>
+        <p:nvPr/>
+      </p:nvGrpSpPr>
+      <p:grpSpPr>
+        <a:xfrm>
+          <a:off x="0" y="0"/>
+          <a:ext cx="0" cy="0"/>
+          <a:chOff x="0" y="0"/>
+          <a:chExt cx="0" cy="0"/>
+        </a:xfrm>
+      </p:grpSpPr>
+      <p:sp>
+        <p:nvSpPr>
+          <p:cNvPr id="2" name="Title 1">
+            <a:extLst>
+              <a:ext uri="{FF2B5EF4-FFF2-40B4-BE49-F238E27FC236}">
+                <a16:creationId xmlns:a16="http://schemas.microsoft.com/office/drawing/2014/main" id="{3D546D05-5947-1209-D580-59C6CE84F71C}"/>
+              </a:ext>
+            </a:extLst>
+          </p:cNvPr>
+          <p:cNvSpPr>
+            <a:spLocks noGrp="1"/>
+          </p:cNvSpPr>
+          <p:nvPr>
+            <p:ph type="title"/>
+          </p:nvPr>
+        </p:nvSpPr>
+        <p:spPr>
+          <a:xfrm>
+            <a:off x="685800" y="186545"/>
+            <a:ext cx="7772400" cy="457200"/>
+          </a:xfrm>
+        </p:spPr>
+        <p:txBody>
+          <a:bodyPr/>
+          <a:lstStyle/>
+          <a:p>
+            <a:r>
+              <a:rPr lang="en-US" altLang="zh-CN" dirty="0"/>
+              <a:t>Compare 2 </a:t>
+            </a:r>
+            <a:r>
+              <a:rPr lang="en-US" altLang="zh-CN"/>
+              <a:t>atmosphere model</a:t>
+            </a:r>
+            <a:endParaRPr lang="zh-CN" altLang="en-US" dirty="0"/>
+          </a:p>
+        </p:txBody>
+      </p:sp>
+      <p:sp>
+        <p:nvSpPr>
+          <p:cNvPr id="4" name="Slide Number Placeholder 3">
+            <a:extLst>
+              <a:ext uri="{FF2B5EF4-FFF2-40B4-BE49-F238E27FC236}">
+                <a16:creationId xmlns:a16="http://schemas.microsoft.com/office/drawing/2014/main" id="{4C6755C1-51D8-4185-81C2-D212014912EF}"/>
+              </a:ext>
+            </a:extLst>
+          </p:cNvPr>
+          <p:cNvSpPr>
+            <a:spLocks noGrp="1"/>
+          </p:cNvSpPr>
+          <p:nvPr>
+            <p:ph type="sldNum" sz="quarter" idx="12"/>
+          </p:nvPr>
+        </p:nvSpPr>
+        <p:spPr/>
+        <p:txBody>
+          <a:bodyPr/>
+          <a:lstStyle/>
+          <a:p>
+            <a:pPr>
+              <a:defRPr/>
+            </a:pPr>
+            <a:fld id="{A26A0649-E50C-4844-BD05-C05B747519B9}" type="slidenum">
+              <a:rPr lang="de-DE" altLang="en-US" smtClean="0"/>
+              <a:pPr>
+                <a:defRPr/>
+              </a:pPr>
+              <a:t>2</a:t>
+            </a:fld>
+            <a:endParaRPr lang="de-DE" altLang="en-US"/>
+          </a:p>
+        </p:txBody>
+      </p:sp>
+      <mc:AlternateContent xmlns:mc="http://schemas.openxmlformats.org/markup-compatibility/2006" xmlns:a14="http://schemas.microsoft.com/office/drawing/2010/main">
+        <mc:Choice Requires="a14">
           <p:sp>
             <p:nvSpPr>
               <p:cNvPr id="8" name="TextBox 7">
@@ -6449,7 +6643,7 @@
             </p:txBody>
           </p:sp>
         </mc:Choice>
-        <mc:Fallback>
+        <mc:Fallback xmlns="">
           <p:sp>
             <p:nvSpPr>
               <p:cNvPr id="8" name="TextBox 7">
@@ -6494,6 +6688,41 @@
           </p:sp>
         </mc:Fallback>
       </mc:AlternateContent>
+      <p:pic>
+        <p:nvPicPr>
+          <p:cNvPr id="6" name="Content Placeholder 5" descr="Chart&#10;&#10;Description automatically generated">
+            <a:extLst>
+              <a:ext uri="{FF2B5EF4-FFF2-40B4-BE49-F238E27FC236}">
+                <a16:creationId xmlns:a16="http://schemas.microsoft.com/office/drawing/2014/main" id="{879E8FBF-DCC3-EEF5-8D76-156D6A6E519E}"/>
+              </a:ext>
+            </a:extLst>
+          </p:cNvPr>
+          <p:cNvPicPr>
+            <a:picLocks noGrp="1" noChangeAspect="1"/>
+          </p:cNvPicPr>
+          <p:nvPr>
+            <p:ph idx="1"/>
+          </p:nvPr>
+        </p:nvPicPr>
+        <p:blipFill>
+          <a:blip r:embed="rId4">
+            <a:extLst>
+              <a:ext uri="{28A0092B-C50C-407E-A947-70E740481C1C}">
+                <a14:useLocalDpi xmlns:a14="http://schemas.microsoft.com/office/drawing/2010/main" val="0"/>
+              </a:ext>
+            </a:extLst>
+          </a:blip>
+          <a:stretch>
+            <a:fillRect/>
+          </a:stretch>
+        </p:blipFill>
+        <p:spPr>
+          <a:xfrm>
+            <a:off x="611560" y="941472"/>
+            <a:ext cx="7772400" cy="3894296"/>
+          </a:xfrm>
+        </p:spPr>
+      </p:pic>
     </p:spTree>
     <p:extLst>
       <p:ext uri="{BB962C8B-B14F-4D97-AF65-F5344CB8AC3E}">
@@ -6507,7 +6736,7 @@
 </p:sld>
 </file>
 
-<file path=ppt/slides/slide2.xml><?xml version="1.0" encoding="utf-8"?>
+<file path=ppt/slides/slide3.xml><?xml version="1.0" encoding="utf-8"?>
 <p:sld xmlns:a="http://schemas.openxmlformats.org/drawingml/2006/main" xmlns:r="http://schemas.openxmlformats.org/officeDocument/2006/relationships" xmlns:p="http://schemas.openxmlformats.org/presentationml/2006/main">
   <p:cSld>
     <p:spTree>
@@ -6545,7 +6774,11 @@
           <a:bodyPr/>
           <a:lstStyle/>
           <a:p>
-            <a:endParaRPr lang="zh-CN" altLang="en-US"/>
+            <a:r>
+              <a:rPr lang="en-US" altLang="zh-CN" dirty="0"/>
+              <a:t>2 year integration</a:t>
+            </a:r>
+            <a:endParaRPr lang="zh-CN" altLang="en-US" dirty="0"/>
           </a:p>
         </p:txBody>
       </p:sp>
@@ -6578,37 +6811,47 @@
               <a:pPr>
                 <a:defRPr/>
               </a:pPr>
-              <a:t>2</a:t>
+              <a:t>3</a:t>
             </a:fld>
             <a:endParaRPr lang="de-DE" altLang="en-US"/>
           </a:p>
         </p:txBody>
       </p:sp>
-      <p:sp>
-        <p:nvSpPr>
-          <p:cNvPr id="3" name="Content Placeholder 2">
+      <p:pic>
+        <p:nvPicPr>
+          <p:cNvPr id="9" name="Content Placeholder 8" descr="Chart, scatter chart&#10;&#10;Description automatically generated">
             <a:extLst>
               <a:ext uri="{FF2B5EF4-FFF2-40B4-BE49-F238E27FC236}">
-                <a16:creationId xmlns:a16="http://schemas.microsoft.com/office/drawing/2014/main" id="{71320EA0-5DCE-7322-D0FE-B810A0EC4269}"/>
+                <a16:creationId xmlns:a16="http://schemas.microsoft.com/office/drawing/2014/main" id="{2129D0BC-8C85-56B8-A8FF-6D55C6007C71}"/>
               </a:ext>
             </a:extLst>
           </p:cNvPr>
-          <p:cNvSpPr>
-            <a:spLocks noGrp="1"/>
-          </p:cNvSpPr>
+          <p:cNvPicPr>
+            <a:picLocks noGrp="1" noChangeAspect="1"/>
+          </p:cNvPicPr>
           <p:nvPr>
             <p:ph idx="1"/>
           </p:nvPr>
-        </p:nvSpPr>
-        <p:spPr/>
-        <p:txBody>
-          <a:bodyPr/>
-          <a:lstStyle/>
-          <a:p>
-            <a:endParaRPr lang="zh-CN" altLang="en-US"/>
-          </a:p>
-        </p:txBody>
-      </p:sp>
+        </p:nvPicPr>
+        <p:blipFill>
+          <a:blip r:embed="rId2">
+            <a:extLst>
+              <a:ext uri="{28A0092B-C50C-407E-A947-70E740481C1C}">
+                <a14:useLocalDpi xmlns:a14="http://schemas.microsoft.com/office/drawing/2010/main" val="0"/>
+              </a:ext>
+            </a:extLst>
+          </a:blip>
+          <a:stretch>
+            <a:fillRect/>
+          </a:stretch>
+        </p:blipFill>
+        <p:spPr>
+          <a:xfrm>
+            <a:off x="685800" y="1596152"/>
+            <a:ext cx="7772400" cy="3894296"/>
+          </a:xfrm>
+        </p:spPr>
+      </p:pic>
     </p:spTree>
     <p:extLst>
       <p:ext uri="{BB962C8B-B14F-4D97-AF65-F5344CB8AC3E}">
